--- a/TIMPOINTER 하드웨어 구성도.pptx
+++ b/TIMPOINTER 하드웨어 구성도.pptx
@@ -116,34 +116,489 @@
 <file path=ppt/changesInfos/changesInfo1.xml><?xml version="1.0" encoding="utf-8"?>
 <pc:chgInfo xmlns:a="http://schemas.openxmlformats.org/drawingml/2006/main" xmlns:r="http://schemas.openxmlformats.org/officeDocument/2006/relationships" xmlns:ac="http://schemas.microsoft.com/office/drawing/2013/main/command" xmlns:pc="http://schemas.microsoft.com/office/powerpoint/2013/main/command">
   <pc:docChgLst>
-    <pc:chgData name="Guest" providerId="Windows Live" clId="Web-{FA8E0E33-C9E0-4BE6-8A41-7A155C0863FC}"/>
+    <pc:chgData name="손민재" userId="b8e41ac4b573d6fa" providerId="Windows Live" clId="Web-{F36F8108-BF6C-485E-9E8F-EF4AE408E1D5}"/>
     <pc:docChg chg="modSld">
-      <pc:chgData name="Guest" userId="" providerId="Windows Live" clId="Web-{FA8E0E33-C9E0-4BE6-8A41-7A155C0863FC}" dt="2017-12-14T14:21:00.740" v="4"/>
+      <pc:chgData name="손민재" userId="b8e41ac4b573d6fa" providerId="Windows Live" clId="Web-{F36F8108-BF6C-485E-9E8F-EF4AE408E1D5}" dt="2017-12-14T14:11:35.816" v="60"/>
       <pc:docMkLst>
         <pc:docMk/>
       </pc:docMkLst>
       <pc:sldChg chg="addSp delSp modSp">
-        <pc:chgData name="Guest" userId="" providerId="Windows Live" clId="Web-{FA8E0E33-C9E0-4BE6-8A41-7A155C0863FC}" dt="2017-12-14T14:21:00.740" v="4"/>
+        <pc:chgData name="손민재" userId="b8e41ac4b573d6fa" providerId="Windows Live" clId="Web-{F36F8108-BF6C-485E-9E8F-EF4AE408E1D5}" dt="2017-12-14T14:11:35.816" v="60"/>
         <pc:sldMkLst>
           <pc:docMk/>
           <pc:sldMk cId="2312711435" sldId="256"/>
         </pc:sldMkLst>
+        <pc:spChg chg="del">
+          <ac:chgData name="손민재" userId="b8e41ac4b573d6fa" providerId="Windows Live" clId="Web-{F36F8108-BF6C-485E-9E8F-EF4AE408E1D5}" dt="2017-12-14T14:06:06.954" v="0"/>
+          <ac:spMkLst>
+            <pc:docMk/>
+            <pc:sldMk cId="2312711435" sldId="256"/>
+            <ac:spMk id="2" creationId="{31DE489D-6179-47FA-9743-3BD6BA62484F}"/>
+          </ac:spMkLst>
+        </pc:spChg>
+        <pc:spChg chg="del">
+          <ac:chgData name="손민재" userId="b8e41ac4b573d6fa" providerId="Windows Live" clId="Web-{F36F8108-BF6C-485E-9E8F-EF4AE408E1D5}" dt="2017-12-14T14:06:09.548" v="1"/>
+          <ac:spMkLst>
+            <pc:docMk/>
+            <pc:sldMk cId="2312711435" sldId="256"/>
+            <ac:spMk id="3" creationId="{C5388BCB-81F9-4EF9-9660-61B43BBE433F}"/>
+          </ac:spMkLst>
+        </pc:spChg>
+        <pc:spChg chg="add mod">
+          <ac:chgData name="손민재" userId="b8e41ac4b573d6fa" providerId="Windows Live" clId="Web-{F36F8108-BF6C-485E-9E8F-EF4AE408E1D5}" dt="2017-12-14T14:11:35.801" v="58"/>
+          <ac:spMkLst>
+            <pc:docMk/>
+            <pc:sldMk cId="2312711435" sldId="256"/>
+            <ac:spMk id="4" creationId="{0A53783D-71E9-451B-A248-B87E17BF5D3B}"/>
+          </ac:spMkLst>
+        </pc:spChg>
+        <pc:spChg chg="add mod">
+          <ac:chgData name="손민재" userId="b8e41ac4b573d6fa" providerId="Windows Live" clId="Web-{F36F8108-BF6C-485E-9E8F-EF4AE408E1D5}" dt="2017-12-14T14:11:35.801" v="59"/>
+          <ac:spMkLst>
+            <pc:docMk/>
+            <pc:sldMk cId="2312711435" sldId="256"/>
+            <ac:spMk id="6" creationId="{88734F23-45E9-4ED7-91E7-188218E81990}"/>
+          </ac:spMkLst>
+        </pc:spChg>
         <pc:spChg chg="add del">
-          <ac:chgData name="Guest" userId="" providerId="Windows Live" clId="Web-{FA8E0E33-C9E0-4BE6-8A41-7A155C0863FC}" dt="2017-12-14T14:18:36.091" v="1"/>
+          <ac:chgData name="손민재" userId="b8e41ac4b573d6fa" providerId="Windows Live" clId="Web-{F36F8108-BF6C-485E-9E8F-EF4AE408E1D5}" dt="2017-12-14T14:09:09.464" v="14"/>
           <ac:spMkLst>
             <pc:docMk/>
             <pc:sldMk cId="2312711435" sldId="256"/>
-            <ac:spMk id="15" creationId="{13B68C63-48A7-4302-962F-EA028CCF0B94}"/>
+            <ac:spMk id="7" creationId="{AAB77A03-1DE5-4287-B8B7-EA7DA1472CAD}"/>
           </ac:spMkLst>
         </pc:spChg>
         <pc:spChg chg="add del mod">
-          <ac:chgData name="Guest" userId="" providerId="Windows Live" clId="Web-{FA8E0E33-C9E0-4BE6-8A41-7A155C0863FC}" dt="2017-12-14T14:21:00.740" v="4"/>
+          <ac:chgData name="손민재" userId="b8e41ac4b573d6fa" providerId="Windows Live" clId="Web-{F36F8108-BF6C-485E-9E8F-EF4AE408E1D5}" dt="2017-12-14T14:09:45.404" v="28"/>
           <ac:spMkLst>
             <pc:docMk/>
             <pc:sldMk cId="2312711435" sldId="256"/>
-            <ac:spMk id="20" creationId="{527278EB-AE06-4CA0-B96D-017012931E3D}"/>
+            <ac:spMk id="8" creationId="{DDD8EEEE-8E5B-46BD-A6F1-D91C6A949ADC}"/>
           </ac:spMkLst>
         </pc:spChg>
+        <pc:spChg chg="add mod">
+          <ac:chgData name="손민재" userId="b8e41ac4b573d6fa" providerId="Windows Live" clId="Web-{F36F8108-BF6C-485E-9E8F-EF4AE408E1D5}" dt="2017-12-14T14:11:35.816" v="60"/>
+          <ac:spMkLst>
+            <pc:docMk/>
+            <pc:sldMk cId="2312711435" sldId="256"/>
+            <ac:spMk id="11" creationId="{3DDE92A6-B79F-4BA4-9810-DB1CF23856C6}"/>
+          </ac:spMkLst>
+        </pc:spChg>
+        <pc:spChg chg="add del">
+          <ac:chgData name="손민재" userId="b8e41ac4b573d6fa" providerId="Windows Live" clId="Web-{F36F8108-BF6C-485E-9E8F-EF4AE408E1D5}" dt="2017-12-14T14:11:13.893" v="54"/>
+          <ac:spMkLst>
+            <pc:docMk/>
+            <pc:sldMk cId="2312711435" sldId="256"/>
+            <ac:spMk id="12" creationId="{38D2522F-E993-4209-B522-84FC5A709D9B}"/>
+          </ac:spMkLst>
+        </pc:spChg>
+      </pc:sldChg>
+    </pc:docChg>
+  </pc:docChgLst>
+  <pc:docChgLst>
+    <pc:chgData name="Guest" providerId="Windows Live" clId="Web-{646EB22B-D09A-44C6-ADF5-EF6D60B9CFB6}"/>
+    <pc:docChg chg="modSld">
+      <pc:chgData name="Guest" userId="" providerId="Windows Live" clId="Web-{646EB22B-D09A-44C6-ADF5-EF6D60B9CFB6}" dt="2017-12-14T15:12:06.481" v="184"/>
+      <pc:docMkLst>
+        <pc:docMk/>
+      </pc:docMkLst>
+      <pc:sldChg chg="addSp delSp modSp">
+        <pc:chgData name="Guest" userId="" providerId="Windows Live" clId="Web-{646EB22B-D09A-44C6-ADF5-EF6D60B9CFB6}" dt="2017-12-14T14:37:32.640" v="18"/>
+        <pc:sldMkLst>
+          <pc:docMk/>
+          <pc:sldMk cId="2312711435" sldId="256"/>
+        </pc:sldMkLst>
+        <pc:spChg chg="add del mod">
+          <ac:chgData name="Guest" userId="" providerId="Windows Live" clId="Web-{646EB22B-D09A-44C6-ADF5-EF6D60B9CFB6}" dt="2017-12-14T14:12:53.024" v="9"/>
+          <ac:spMkLst>
+            <pc:docMk/>
+            <pc:sldMk cId="2312711435" sldId="256"/>
+            <ac:spMk id="5" creationId="{85C69081-07CB-4F10-8984-5427AF6AAADC}"/>
+          </ac:spMkLst>
+        </pc:spChg>
+        <pc:picChg chg="add del mod">
+          <ac:chgData name="Guest" userId="" providerId="Windows Live" clId="Web-{646EB22B-D09A-44C6-ADF5-EF6D60B9CFB6}" dt="2017-12-14T14:10:17.187" v="8"/>
+          <ac:picMkLst>
+            <pc:docMk/>
+            <pc:sldMk cId="2312711435" sldId="256"/>
+            <ac:picMk id="9" creationId="{A85599D3-8E4D-434A-A14D-8A196D7EA262}"/>
+          </ac:picMkLst>
+        </pc:picChg>
+        <pc:picChg chg="add mod">
+          <ac:chgData name="Guest" userId="" providerId="Windows Live" clId="Web-{646EB22B-D09A-44C6-ADF5-EF6D60B9CFB6}" dt="2017-12-14T14:12:57.055" v="11"/>
+          <ac:picMkLst>
+            <pc:docMk/>
+            <pc:sldMk cId="2312711435" sldId="256"/>
+            <ac:picMk id="13" creationId="{EF398892-03C8-4BDF-929D-3E09846BA367}"/>
+          </ac:picMkLst>
+        </pc:picChg>
+        <pc:picChg chg="add del mod">
+          <ac:chgData name="Guest" userId="" providerId="Windows Live" clId="Web-{646EB22B-D09A-44C6-ADF5-EF6D60B9CFB6}" dt="2017-12-14T14:28:33.437" v="14"/>
+          <ac:picMkLst>
+            <pc:docMk/>
+            <pc:sldMk cId="2312711435" sldId="256"/>
+            <ac:picMk id="24" creationId="{5CA7CBE9-86AF-4BDF-B787-63348938F502}"/>
+          </ac:picMkLst>
+        </pc:picChg>
+        <pc:picChg chg="add del mod">
+          <ac:chgData name="Guest" userId="" providerId="Windows Live" clId="Web-{646EB22B-D09A-44C6-ADF5-EF6D60B9CFB6}" dt="2017-12-14T14:37:32.640" v="18"/>
+          <ac:picMkLst>
+            <pc:docMk/>
+            <pc:sldMk cId="2312711435" sldId="256"/>
+            <ac:picMk id="26" creationId="{6778D821-10E9-4CA9-9C7C-F5E2EC640116}"/>
+          </ac:picMkLst>
+        </pc:picChg>
+      </pc:sldChg>
+      <pc:sldChg chg="addSp delSp modSp">
+        <pc:chgData name="Guest" userId="" providerId="Windows Live" clId="Web-{646EB22B-D09A-44C6-ADF5-EF6D60B9CFB6}" dt="2017-12-14T15:12:06.481" v="184"/>
+        <pc:sldMkLst>
+          <pc:docMk/>
+          <pc:sldMk cId="4074104197" sldId="257"/>
+        </pc:sldMkLst>
+        <pc:picChg chg="mod">
+          <ac:chgData name="Guest" userId="" providerId="Windows Live" clId="Web-{646EB22B-D09A-44C6-ADF5-EF6D60B9CFB6}" dt="2017-12-14T15:06:30.337" v="136"/>
+          <ac:picMkLst>
+            <pc:docMk/>
+            <pc:sldMk cId="4074104197" sldId="257"/>
+            <ac:picMk id="5" creationId="{8D4A104F-F917-418A-A873-49E0CF84BA29}"/>
+          </ac:picMkLst>
+        </pc:picChg>
+        <pc:picChg chg="mod">
+          <ac:chgData name="Guest" userId="" providerId="Windows Live" clId="Web-{646EB22B-D09A-44C6-ADF5-EF6D60B9CFB6}" dt="2017-12-14T15:12:01.497" v="183"/>
+          <ac:picMkLst>
+            <pc:docMk/>
+            <pc:sldMk cId="4074104197" sldId="257"/>
+            <ac:picMk id="10" creationId="{707BD8EB-2B20-44AC-9709-5C0940F6D770}"/>
+          </ac:picMkLst>
+        </pc:picChg>
+        <pc:cxnChg chg="add del mod">
+          <ac:chgData name="Guest" userId="" providerId="Windows Live" clId="Web-{646EB22B-D09A-44C6-ADF5-EF6D60B9CFB6}" dt="2017-12-14T14:50:35.545" v="22"/>
+          <ac:cxnSpMkLst>
+            <pc:docMk/>
+            <pc:sldMk cId="4074104197" sldId="257"/>
+            <ac:cxnSpMk id="6" creationId="{E866004A-6ED0-42F6-89F4-EB4511D8080A}"/>
+          </ac:cxnSpMkLst>
+        </pc:cxnChg>
+        <pc:cxnChg chg="add del mod">
+          <ac:chgData name="Guest" userId="" providerId="Windows Live" clId="Web-{646EB22B-D09A-44C6-ADF5-EF6D60B9CFB6}" dt="2017-12-14T14:51:36.548" v="26"/>
+          <ac:cxnSpMkLst>
+            <pc:docMk/>
+            <pc:sldMk cId="4074104197" sldId="257"/>
+            <ac:cxnSpMk id="8" creationId="{AD7F25DB-CAF3-4416-BEC8-405E10E677E4}"/>
+          </ac:cxnSpMkLst>
+        </pc:cxnChg>
+        <pc:cxnChg chg="add mod">
+          <ac:chgData name="Guest" userId="" providerId="Windows Live" clId="Web-{646EB22B-D09A-44C6-ADF5-EF6D60B9CFB6}" dt="2017-12-14T14:52:49.915" v="38"/>
+          <ac:cxnSpMkLst>
+            <pc:docMk/>
+            <pc:sldMk cId="4074104197" sldId="257"/>
+            <ac:cxnSpMk id="12" creationId="{3CD2A42C-E707-4610-A45C-243A6181AF93}"/>
+          </ac:cxnSpMkLst>
+        </pc:cxnChg>
+        <pc:cxnChg chg="add mod">
+          <ac:chgData name="Guest" userId="" providerId="Windows Live" clId="Web-{646EB22B-D09A-44C6-ADF5-EF6D60B9CFB6}" dt="2017-12-14T14:52:49.915" v="39"/>
+          <ac:cxnSpMkLst>
+            <pc:docMk/>
+            <pc:sldMk cId="4074104197" sldId="257"/>
+            <ac:cxnSpMk id="14" creationId="{9B75A87C-9C95-4F19-BC23-1055FE1DB1CD}"/>
+          </ac:cxnSpMkLst>
+        </pc:cxnChg>
+        <pc:cxnChg chg="add mod">
+          <ac:chgData name="Guest" userId="" providerId="Windows Live" clId="Web-{646EB22B-D09A-44C6-ADF5-EF6D60B9CFB6}" dt="2017-12-14T14:52:38.943" v="37"/>
+          <ac:cxnSpMkLst>
+            <pc:docMk/>
+            <pc:sldMk cId="4074104197" sldId="257"/>
+            <ac:cxnSpMk id="16" creationId="{CEAF5A24-6674-4970-AF3B-D794CAFE0BBE}"/>
+          </ac:cxnSpMkLst>
+        </pc:cxnChg>
+        <pc:cxnChg chg="add del mod">
+          <ac:chgData name="Guest" userId="" providerId="Windows Live" clId="Web-{646EB22B-D09A-44C6-ADF5-EF6D60B9CFB6}" dt="2017-12-14T14:58:28.387" v="120"/>
+          <ac:cxnSpMkLst>
+            <pc:docMk/>
+            <pc:sldMk cId="4074104197" sldId="257"/>
+            <ac:cxnSpMk id="17" creationId="{D9B211C6-AB06-4D3F-83D8-82D7D956C267}"/>
+          </ac:cxnSpMkLst>
+        </pc:cxnChg>
+        <pc:cxnChg chg="add mod">
+          <ac:chgData name="Guest" userId="" providerId="Windows Live" clId="Web-{646EB22B-D09A-44C6-ADF5-EF6D60B9CFB6}" dt="2017-12-14T14:53:39.043" v="63"/>
+          <ac:cxnSpMkLst>
+            <pc:docMk/>
+            <pc:sldMk cId="4074104197" sldId="257"/>
+            <ac:cxnSpMk id="18" creationId="{7F0961C9-983C-462E-89EB-018A3F190CCA}"/>
+          </ac:cxnSpMkLst>
+        </pc:cxnChg>
+        <pc:cxnChg chg="add mod">
+          <ac:chgData name="Guest" userId="" providerId="Windows Live" clId="Web-{646EB22B-D09A-44C6-ADF5-EF6D60B9CFB6}" dt="2017-12-14T14:53:23.651" v="51"/>
+          <ac:cxnSpMkLst>
+            <pc:docMk/>
+            <pc:sldMk cId="4074104197" sldId="257"/>
+            <ac:cxnSpMk id="19" creationId="{7208AA11-2317-431A-AE85-85B49029B12D}"/>
+          </ac:cxnSpMkLst>
+        </pc:cxnChg>
+        <pc:cxnChg chg="add mod">
+          <ac:chgData name="Guest" userId="" providerId="Windows Live" clId="Web-{646EB22B-D09A-44C6-ADF5-EF6D60B9CFB6}" dt="2017-12-14T14:53:23.651" v="52"/>
+          <ac:cxnSpMkLst>
+            <pc:docMk/>
+            <pc:sldMk cId="4074104197" sldId="257"/>
+            <ac:cxnSpMk id="20" creationId="{2BEA46F4-EBE8-4022-B097-B57D5C1235E1}"/>
+          </ac:cxnSpMkLst>
+        </pc:cxnChg>
+        <pc:cxnChg chg="add mod">
+          <ac:chgData name="Guest" userId="" providerId="Windows Live" clId="Web-{646EB22B-D09A-44C6-ADF5-EF6D60B9CFB6}" dt="2017-12-14T14:53:28.636" v="55"/>
+          <ac:cxnSpMkLst>
+            <pc:docMk/>
+            <pc:sldMk cId="4074104197" sldId="257"/>
+            <ac:cxnSpMk id="21" creationId="{A8CBFDC1-0E2F-4661-B033-BFC1018C0D17}"/>
+          </ac:cxnSpMkLst>
+        </pc:cxnChg>
+        <pc:cxnChg chg="add mod">
+          <ac:chgData name="Guest" userId="" providerId="Windows Live" clId="Web-{646EB22B-D09A-44C6-ADF5-EF6D60B9CFB6}" dt="2017-12-14T14:53:28.636" v="56"/>
+          <ac:cxnSpMkLst>
+            <pc:docMk/>
+            <pc:sldMk cId="4074104197" sldId="257"/>
+            <ac:cxnSpMk id="22" creationId="{0071B82D-08A0-40CB-8FD7-240F6489767A}"/>
+          </ac:cxnSpMkLst>
+        </pc:cxnChg>
+        <pc:cxnChg chg="add mod">
+          <ac:chgData name="Guest" userId="" providerId="Windows Live" clId="Web-{646EB22B-D09A-44C6-ADF5-EF6D60B9CFB6}" dt="2017-12-14T14:53:33.324" v="59"/>
+          <ac:cxnSpMkLst>
+            <pc:docMk/>
+            <pc:sldMk cId="4074104197" sldId="257"/>
+            <ac:cxnSpMk id="23" creationId="{D21FC186-B1DD-4C44-8A0E-514529846D9F}"/>
+          </ac:cxnSpMkLst>
+        </pc:cxnChg>
+        <pc:cxnChg chg="add mod">
+          <ac:chgData name="Guest" userId="" providerId="Windows Live" clId="Web-{646EB22B-D09A-44C6-ADF5-EF6D60B9CFB6}" dt="2017-12-14T14:53:33.324" v="60"/>
+          <ac:cxnSpMkLst>
+            <pc:docMk/>
+            <pc:sldMk cId="4074104197" sldId="257"/>
+            <ac:cxnSpMk id="24" creationId="{2FFEC272-4A54-4237-8838-5F5EC38D8E8B}"/>
+          </ac:cxnSpMkLst>
+        </pc:cxnChg>
+        <pc:cxnChg chg="add mod">
+          <ac:chgData name="Guest" userId="" providerId="Windows Live" clId="Web-{646EB22B-D09A-44C6-ADF5-EF6D60B9CFB6}" dt="2017-12-14T14:53:48.090" v="64"/>
+          <ac:cxnSpMkLst>
+            <pc:docMk/>
+            <pc:sldMk cId="4074104197" sldId="257"/>
+            <ac:cxnSpMk id="25" creationId="{015D21CC-9304-4BFF-8349-15036A29C0AE}"/>
+          </ac:cxnSpMkLst>
+        </pc:cxnChg>
+        <pc:cxnChg chg="add mod">
+          <ac:chgData name="Guest" userId="" providerId="Windows Live" clId="Web-{646EB22B-D09A-44C6-ADF5-EF6D60B9CFB6}" dt="2017-12-14T14:53:48.090" v="65"/>
+          <ac:cxnSpMkLst>
+            <pc:docMk/>
+            <pc:sldMk cId="4074104197" sldId="257"/>
+            <ac:cxnSpMk id="26" creationId="{60A314A6-51AA-4380-A95C-E67B4CB0522D}"/>
+          </ac:cxnSpMkLst>
+        </pc:cxnChg>
+        <pc:cxnChg chg="add del mod">
+          <ac:chgData name="Guest" userId="" providerId="Windows Live" clId="Web-{646EB22B-D09A-44C6-ADF5-EF6D60B9CFB6}" dt="2017-12-14T14:58:25.512" v="119"/>
+          <ac:cxnSpMkLst>
+            <pc:docMk/>
+            <pc:sldMk cId="4074104197" sldId="257"/>
+            <ac:cxnSpMk id="29" creationId="{BA68DC7D-B066-4C83-B009-2175658B1552}"/>
+          </ac:cxnSpMkLst>
+        </pc:cxnChg>
+        <pc:cxnChg chg="add mod">
+          <ac:chgData name="Guest" userId="" providerId="Windows Live" clId="Web-{646EB22B-D09A-44C6-ADF5-EF6D60B9CFB6}" dt="2017-12-14T14:55:21.564" v="81"/>
+          <ac:cxnSpMkLst>
+            <pc:docMk/>
+            <pc:sldMk cId="4074104197" sldId="257"/>
+            <ac:cxnSpMk id="32" creationId="{752C7471-C6EA-4785-B618-1B9621BEC0E3}"/>
+          </ac:cxnSpMkLst>
+        </pc:cxnChg>
+        <pc:cxnChg chg="add mod">
+          <ac:chgData name="Guest" userId="" providerId="Windows Live" clId="Web-{646EB22B-D09A-44C6-ADF5-EF6D60B9CFB6}" dt="2017-12-14T14:55:21.564" v="82"/>
+          <ac:cxnSpMkLst>
+            <pc:docMk/>
+            <pc:sldMk cId="4074104197" sldId="257"/>
+            <ac:cxnSpMk id="33" creationId="{0760C49F-36BC-4B20-B7E7-3B2549D87344}"/>
+          </ac:cxnSpMkLst>
+        </pc:cxnChg>
+        <pc:cxnChg chg="add mod">
+          <ac:chgData name="Guest" userId="" providerId="Windows Live" clId="Web-{646EB22B-D09A-44C6-ADF5-EF6D60B9CFB6}" dt="2017-12-14T14:55:28.658" v="85"/>
+          <ac:cxnSpMkLst>
+            <pc:docMk/>
+            <pc:sldMk cId="4074104197" sldId="257"/>
+            <ac:cxnSpMk id="36" creationId="{AA7EA3F1-1A68-46D0-A040-DB448F0AEE01}"/>
+          </ac:cxnSpMkLst>
+        </pc:cxnChg>
+        <pc:cxnChg chg="add mod">
+          <ac:chgData name="Guest" userId="" providerId="Windows Live" clId="Web-{646EB22B-D09A-44C6-ADF5-EF6D60B9CFB6}" dt="2017-12-14T14:55:28.674" v="86"/>
+          <ac:cxnSpMkLst>
+            <pc:docMk/>
+            <pc:sldMk cId="4074104197" sldId="257"/>
+            <ac:cxnSpMk id="37" creationId="{4A1C0D68-009B-4A9E-B77B-E96D9822A9CF}"/>
+          </ac:cxnSpMkLst>
+        </pc:cxnChg>
+        <pc:cxnChg chg="add mod">
+          <ac:chgData name="Guest" userId="" providerId="Windows Live" clId="Web-{646EB22B-D09A-44C6-ADF5-EF6D60B9CFB6}" dt="2017-12-14T14:55:34.799" v="89"/>
+          <ac:cxnSpMkLst>
+            <pc:docMk/>
+            <pc:sldMk cId="4074104197" sldId="257"/>
+            <ac:cxnSpMk id="38" creationId="{CF309698-0594-4BB4-B014-B9F0C5B6A597}"/>
+          </ac:cxnSpMkLst>
+        </pc:cxnChg>
+        <pc:cxnChg chg="add mod">
+          <ac:chgData name="Guest" userId="" providerId="Windows Live" clId="Web-{646EB22B-D09A-44C6-ADF5-EF6D60B9CFB6}" dt="2017-12-14T14:55:34.799" v="90"/>
+          <ac:cxnSpMkLst>
+            <pc:docMk/>
+            <pc:sldMk cId="4074104197" sldId="257"/>
+            <ac:cxnSpMk id="39" creationId="{9462B081-7612-4C46-8D56-47E2549CAB46}"/>
+          </ac:cxnSpMkLst>
+        </pc:cxnChg>
+        <pc:cxnChg chg="add mod">
+          <ac:chgData name="Guest" userId="" providerId="Windows Live" clId="Web-{646EB22B-D09A-44C6-ADF5-EF6D60B9CFB6}" dt="2017-12-14T14:55:46.691" v="93"/>
+          <ac:cxnSpMkLst>
+            <pc:docMk/>
+            <pc:sldMk cId="4074104197" sldId="257"/>
+            <ac:cxnSpMk id="40" creationId="{1C1A434F-1315-4E9C-910E-83EE8B1DC6BE}"/>
+          </ac:cxnSpMkLst>
+        </pc:cxnChg>
+        <pc:cxnChg chg="add mod">
+          <ac:chgData name="Guest" userId="" providerId="Windows Live" clId="Web-{646EB22B-D09A-44C6-ADF5-EF6D60B9CFB6}" dt="2017-12-14T14:55:46.691" v="94"/>
+          <ac:cxnSpMkLst>
+            <pc:docMk/>
+            <pc:sldMk cId="4074104197" sldId="257"/>
+            <ac:cxnSpMk id="41" creationId="{8AB846A9-3F7E-4531-8FA8-131A47DCC830}"/>
+          </ac:cxnSpMkLst>
+        </pc:cxnChg>
+        <pc:cxnChg chg="add mod">
+          <ac:chgData name="Guest" userId="" providerId="Windows Live" clId="Web-{646EB22B-D09A-44C6-ADF5-EF6D60B9CFB6}" dt="2017-12-14T14:57:10.867" v="104"/>
+          <ac:cxnSpMkLst>
+            <pc:docMk/>
+            <pc:sldMk cId="4074104197" sldId="257"/>
+            <ac:cxnSpMk id="44" creationId="{210B67A8-9EB6-41CF-80AA-2301F27B5E08}"/>
+          </ac:cxnSpMkLst>
+        </pc:cxnChg>
+        <pc:cxnChg chg="add mod">
+          <ac:chgData name="Guest" userId="" providerId="Windows Live" clId="Web-{646EB22B-D09A-44C6-ADF5-EF6D60B9CFB6}" dt="2017-12-14T14:57:05.101" v="103"/>
+          <ac:cxnSpMkLst>
+            <pc:docMk/>
+            <pc:sldMk cId="4074104197" sldId="257"/>
+            <ac:cxnSpMk id="50" creationId="{D77637AE-7B03-44E3-9209-C40D298BA75D}"/>
+          </ac:cxnSpMkLst>
+        </pc:cxnChg>
+        <pc:cxnChg chg="mod">
+          <ac:chgData name="Guest" userId="" providerId="Windows Live" clId="Web-{646EB22B-D09A-44C6-ADF5-EF6D60B9CFB6}" dt="2017-12-14T15:09:29.426" v="161"/>
+          <ac:cxnSpMkLst>
+            <pc:docMk/>
+            <pc:sldMk cId="4074104197" sldId="257"/>
+            <ac:cxnSpMk id="55" creationId="{4F3D9C24-98BF-4A34-A47B-33ABA79F8FA7}"/>
+          </ac:cxnSpMkLst>
+        </pc:cxnChg>
+        <pc:cxnChg chg="add del mod">
+          <ac:chgData name="Guest" userId="" providerId="Windows Live" clId="Web-{646EB22B-D09A-44C6-ADF5-EF6D60B9CFB6}" dt="2017-12-14T14:58:09.043" v="114"/>
+          <ac:cxnSpMkLst>
+            <pc:docMk/>
+            <pc:sldMk cId="4074104197" sldId="257"/>
+            <ac:cxnSpMk id="56" creationId="{3F0F64C4-C69F-4BB5-A548-BAAB9C87D999}"/>
+          </ac:cxnSpMkLst>
+        </pc:cxnChg>
+        <pc:cxnChg chg="add del mod">
+          <ac:chgData name="Guest" userId="" providerId="Windows Live" clId="Web-{646EB22B-D09A-44C6-ADF5-EF6D60B9CFB6}" dt="2017-12-14T14:58:09.043" v="113"/>
+          <ac:cxnSpMkLst>
+            <pc:docMk/>
+            <pc:sldMk cId="4074104197" sldId="257"/>
+            <ac:cxnSpMk id="57" creationId="{656B480F-61B0-4967-AE65-E1D7AF9BD751}"/>
+          </ac:cxnSpMkLst>
+        </pc:cxnChg>
+        <pc:cxnChg chg="add del mod">
+          <ac:chgData name="Guest" userId="" providerId="Windows Live" clId="Web-{646EB22B-D09A-44C6-ADF5-EF6D60B9CFB6}" dt="2017-12-14T14:58:29.169" v="121"/>
+          <ac:cxnSpMkLst>
+            <pc:docMk/>
+            <pc:sldMk cId="4074104197" sldId="257"/>
+            <ac:cxnSpMk id="58" creationId="{B05432A4-C46E-406B-9305-E8CAAF5A5BCE}"/>
+          </ac:cxnSpMkLst>
+        </pc:cxnChg>
+        <pc:cxnChg chg="add del mod">
+          <ac:chgData name="Guest" userId="" providerId="Windows Live" clId="Web-{646EB22B-D09A-44C6-ADF5-EF6D60B9CFB6}" dt="2017-12-14T14:58:31.200" v="122"/>
+          <ac:cxnSpMkLst>
+            <pc:docMk/>
+            <pc:sldMk cId="4074104197" sldId="257"/>
+            <ac:cxnSpMk id="59" creationId="{BD46E9CD-5F4E-4849-A900-A76C36260E8B}"/>
+          </ac:cxnSpMkLst>
+        </pc:cxnChg>
+        <pc:cxnChg chg="add del mod">
+          <ac:chgData name="Guest" userId="" providerId="Windows Live" clId="Web-{646EB22B-D09A-44C6-ADF5-EF6D60B9CFB6}" dt="2017-12-14T15:06:00.945" v="133"/>
+          <ac:cxnSpMkLst>
+            <pc:docMk/>
+            <pc:sldMk cId="4074104197" sldId="257"/>
+            <ac:cxnSpMk id="62" creationId="{3BFEB17D-1691-4B05-9E42-9728FE82F9DA}"/>
+          </ac:cxnSpMkLst>
+        </pc:cxnChg>
+        <pc:cxnChg chg="add mod">
+          <ac:chgData name="Guest" userId="" providerId="Windows Live" clId="Web-{646EB22B-D09A-44C6-ADF5-EF6D60B9CFB6}" dt="2017-12-14T15:06:57.323" v="140"/>
+          <ac:cxnSpMkLst>
+            <pc:docMk/>
+            <pc:sldMk cId="4074104197" sldId="257"/>
+            <ac:cxnSpMk id="67" creationId="{7AB81781-6CD8-43A7-9903-FDDE28036F11}"/>
+          </ac:cxnSpMkLst>
+        </pc:cxnChg>
+        <pc:cxnChg chg="add mod">
+          <ac:chgData name="Guest" userId="" providerId="Windows Live" clId="Web-{646EB22B-D09A-44C6-ADF5-EF6D60B9CFB6}" dt="2017-12-14T15:07:07.917" v="142"/>
+          <ac:cxnSpMkLst>
+            <pc:docMk/>
+            <pc:sldMk cId="4074104197" sldId="257"/>
+            <ac:cxnSpMk id="68" creationId="{F7F6E9CD-520D-4202-80A4-77DC0E365C4D}"/>
+          </ac:cxnSpMkLst>
+        </pc:cxnChg>
+        <pc:cxnChg chg="add mod">
+          <ac:chgData name="Guest" userId="" providerId="Windows Live" clId="Web-{646EB22B-D09A-44C6-ADF5-EF6D60B9CFB6}" dt="2017-12-14T15:11:36.464" v="178"/>
+          <ac:cxnSpMkLst>
+            <pc:docMk/>
+            <pc:sldMk cId="4074104197" sldId="257"/>
+            <ac:cxnSpMk id="72" creationId="{DB1EB05A-F1B7-44E5-8E4B-A5F7CBF283FE}"/>
+          </ac:cxnSpMkLst>
+        </pc:cxnChg>
+        <pc:cxnChg chg="add mod">
+          <ac:chgData name="Guest" userId="" providerId="Windows Live" clId="Web-{646EB22B-D09A-44C6-ADF5-EF6D60B9CFB6}" dt="2017-12-14T15:11:32.511" v="177"/>
+          <ac:cxnSpMkLst>
+            <pc:docMk/>
+            <pc:sldMk cId="4074104197" sldId="257"/>
+            <ac:cxnSpMk id="73" creationId="{66FF58E4-02F6-43DF-92F4-ED311E3DA9EB}"/>
+          </ac:cxnSpMkLst>
+        </pc:cxnChg>
+        <pc:cxnChg chg="add mod">
+          <ac:chgData name="Guest" userId="" providerId="Windows Live" clId="Web-{646EB22B-D09A-44C6-ADF5-EF6D60B9CFB6}" dt="2017-12-14T15:08:40.923" v="156"/>
+          <ac:cxnSpMkLst>
+            <pc:docMk/>
+            <pc:sldMk cId="4074104197" sldId="257"/>
+            <ac:cxnSpMk id="74" creationId="{86284277-FA00-489F-9398-DE41C8C8776A}"/>
+          </ac:cxnSpMkLst>
+        </pc:cxnChg>
+        <pc:cxnChg chg="add mod">
+          <ac:chgData name="Guest" userId="" providerId="Windows Live" clId="Web-{646EB22B-D09A-44C6-ADF5-EF6D60B9CFB6}" dt="2017-12-14T15:11:27.495" v="176"/>
+          <ac:cxnSpMkLst>
+            <pc:docMk/>
+            <pc:sldMk cId="4074104197" sldId="257"/>
+            <ac:cxnSpMk id="75" creationId="{BD0074A5-C5BA-47C5-9D8C-E09220E94655}"/>
+          </ac:cxnSpMkLst>
+        </pc:cxnChg>
+        <pc:cxnChg chg="add del mod">
+          <ac:chgData name="Guest" userId="" providerId="Windows Live" clId="Web-{646EB22B-D09A-44C6-ADF5-EF6D60B9CFB6}" dt="2017-12-14T15:11:19.322" v="174"/>
+          <ac:cxnSpMkLst>
+            <pc:docMk/>
+            <pc:sldMk cId="4074104197" sldId="257"/>
+            <ac:cxnSpMk id="83" creationId="{834C3F9F-8A7A-4238-BA6E-1789964D2F5E}"/>
+          </ac:cxnSpMkLst>
+        </pc:cxnChg>
+        <pc:cxnChg chg="add del mod">
+          <ac:chgData name="Guest" userId="" providerId="Windows Live" clId="Web-{646EB22B-D09A-44C6-ADF5-EF6D60B9CFB6}" dt="2017-12-14T15:11:20.276" v="175"/>
+          <ac:cxnSpMkLst>
+            <pc:docMk/>
+            <pc:sldMk cId="4074104197" sldId="257"/>
+            <ac:cxnSpMk id="84" creationId="{D5B87C56-C28B-4CA8-9E36-67BD8E08ACC6}"/>
+          </ac:cxnSpMkLst>
+        </pc:cxnChg>
+        <pc:cxnChg chg="add mod">
+          <ac:chgData name="Guest" userId="" providerId="Windows Live" clId="Web-{646EB22B-D09A-44C6-ADF5-EF6D60B9CFB6}" dt="2017-12-14T15:12:06.481" v="184"/>
+          <ac:cxnSpMkLst>
+            <pc:docMk/>
+            <pc:sldMk cId="4074104197" sldId="257"/>
+            <ac:cxnSpMk id="87" creationId="{C9D53ECE-752A-4ACD-A4FA-DBD42BAB7559}"/>
+          </ac:cxnSpMkLst>
+        </pc:cxnChg>
       </pc:sldChg>
     </pc:docChg>
   </pc:docChgLst>
@@ -347,487 +802,32 @@
     </pc:docChg>
   </pc:docChgLst>
   <pc:docChgLst>
-    <pc:chgData name="Guest" providerId="Windows Live" clId="Web-{646EB22B-D09A-44C6-ADF5-EF6D60B9CFB6}"/>
+    <pc:chgData name="Guest" providerId="Windows Live" clId="Web-{FA8E0E33-C9E0-4BE6-8A41-7A155C0863FC}"/>
     <pc:docChg chg="modSld">
-      <pc:chgData name="Guest" userId="" providerId="Windows Live" clId="Web-{646EB22B-D09A-44C6-ADF5-EF6D60B9CFB6}" dt="2017-12-14T15:12:06.481" v="184"/>
+      <pc:chgData name="Guest" userId="" providerId="Windows Live" clId="Web-{FA8E0E33-C9E0-4BE6-8A41-7A155C0863FC}" dt="2017-12-14T14:21:00.740" v="4"/>
       <pc:docMkLst>
         <pc:docMk/>
       </pc:docMkLst>
       <pc:sldChg chg="addSp delSp modSp">
-        <pc:chgData name="Guest" userId="" providerId="Windows Live" clId="Web-{646EB22B-D09A-44C6-ADF5-EF6D60B9CFB6}" dt="2017-12-14T14:37:32.640" v="18"/>
+        <pc:chgData name="Guest" userId="" providerId="Windows Live" clId="Web-{FA8E0E33-C9E0-4BE6-8A41-7A155C0863FC}" dt="2017-12-14T14:21:00.740" v="4"/>
         <pc:sldMkLst>
           <pc:docMk/>
           <pc:sldMk cId="2312711435" sldId="256"/>
         </pc:sldMkLst>
-        <pc:spChg chg="add del mod">
-          <ac:chgData name="Guest" userId="" providerId="Windows Live" clId="Web-{646EB22B-D09A-44C6-ADF5-EF6D60B9CFB6}" dt="2017-12-14T14:12:53.024" v="9"/>
+        <pc:spChg chg="add del">
+          <ac:chgData name="Guest" userId="" providerId="Windows Live" clId="Web-{FA8E0E33-C9E0-4BE6-8A41-7A155C0863FC}" dt="2017-12-14T14:18:36.091" v="1"/>
           <ac:spMkLst>
             <pc:docMk/>
             <pc:sldMk cId="2312711435" sldId="256"/>
-            <ac:spMk id="5" creationId="{85C69081-07CB-4F10-8984-5427AF6AAADC}"/>
-          </ac:spMkLst>
-        </pc:spChg>
-        <pc:picChg chg="add del mod">
-          <ac:chgData name="Guest" userId="" providerId="Windows Live" clId="Web-{646EB22B-D09A-44C6-ADF5-EF6D60B9CFB6}" dt="2017-12-14T14:10:17.187" v="8"/>
-          <ac:picMkLst>
-            <pc:docMk/>
-            <pc:sldMk cId="2312711435" sldId="256"/>
-            <ac:picMk id="9" creationId="{A85599D3-8E4D-434A-A14D-8A196D7EA262}"/>
-          </ac:picMkLst>
-        </pc:picChg>
-        <pc:picChg chg="add mod">
-          <ac:chgData name="Guest" userId="" providerId="Windows Live" clId="Web-{646EB22B-D09A-44C6-ADF5-EF6D60B9CFB6}" dt="2017-12-14T14:12:57.055" v="11"/>
-          <ac:picMkLst>
-            <pc:docMk/>
-            <pc:sldMk cId="2312711435" sldId="256"/>
-            <ac:picMk id="13" creationId="{EF398892-03C8-4BDF-929D-3E09846BA367}"/>
-          </ac:picMkLst>
-        </pc:picChg>
-        <pc:picChg chg="add del mod">
-          <ac:chgData name="Guest" userId="" providerId="Windows Live" clId="Web-{646EB22B-D09A-44C6-ADF5-EF6D60B9CFB6}" dt="2017-12-14T14:28:33.437" v="14"/>
-          <ac:picMkLst>
-            <pc:docMk/>
-            <pc:sldMk cId="2312711435" sldId="256"/>
-            <ac:picMk id="24" creationId="{5CA7CBE9-86AF-4BDF-B787-63348938F502}"/>
-          </ac:picMkLst>
-        </pc:picChg>
-        <pc:picChg chg="add del mod">
-          <ac:chgData name="Guest" userId="" providerId="Windows Live" clId="Web-{646EB22B-D09A-44C6-ADF5-EF6D60B9CFB6}" dt="2017-12-14T14:37:32.640" v="18"/>
-          <ac:picMkLst>
-            <pc:docMk/>
-            <pc:sldMk cId="2312711435" sldId="256"/>
-            <ac:picMk id="26" creationId="{6778D821-10E9-4CA9-9C7C-F5E2EC640116}"/>
-          </ac:picMkLst>
-        </pc:picChg>
-      </pc:sldChg>
-      <pc:sldChg chg="addSp delSp modSp">
-        <pc:chgData name="Guest" userId="" providerId="Windows Live" clId="Web-{646EB22B-D09A-44C6-ADF5-EF6D60B9CFB6}" dt="2017-12-14T15:12:06.481" v="184"/>
-        <pc:sldMkLst>
-          <pc:docMk/>
-          <pc:sldMk cId="4074104197" sldId="257"/>
-        </pc:sldMkLst>
-        <pc:picChg chg="mod">
-          <ac:chgData name="Guest" userId="" providerId="Windows Live" clId="Web-{646EB22B-D09A-44C6-ADF5-EF6D60B9CFB6}" dt="2017-12-14T15:06:30.337" v="136"/>
-          <ac:picMkLst>
-            <pc:docMk/>
-            <pc:sldMk cId="4074104197" sldId="257"/>
-            <ac:picMk id="5" creationId="{8D4A104F-F917-418A-A873-49E0CF84BA29}"/>
-          </ac:picMkLst>
-        </pc:picChg>
-        <pc:picChg chg="mod">
-          <ac:chgData name="Guest" userId="" providerId="Windows Live" clId="Web-{646EB22B-D09A-44C6-ADF5-EF6D60B9CFB6}" dt="2017-12-14T15:12:01.497" v="183"/>
-          <ac:picMkLst>
-            <pc:docMk/>
-            <pc:sldMk cId="4074104197" sldId="257"/>
-            <ac:picMk id="10" creationId="{707BD8EB-2B20-44AC-9709-5C0940F6D770}"/>
-          </ac:picMkLst>
-        </pc:picChg>
-        <pc:cxnChg chg="add del mod">
-          <ac:chgData name="Guest" userId="" providerId="Windows Live" clId="Web-{646EB22B-D09A-44C6-ADF5-EF6D60B9CFB6}" dt="2017-12-14T14:50:35.545" v="22"/>
-          <ac:cxnSpMkLst>
-            <pc:docMk/>
-            <pc:sldMk cId="4074104197" sldId="257"/>
-            <ac:cxnSpMk id="6" creationId="{E866004A-6ED0-42F6-89F4-EB4511D8080A}"/>
-          </ac:cxnSpMkLst>
-        </pc:cxnChg>
-        <pc:cxnChg chg="add del mod">
-          <ac:chgData name="Guest" userId="" providerId="Windows Live" clId="Web-{646EB22B-D09A-44C6-ADF5-EF6D60B9CFB6}" dt="2017-12-14T14:51:36.548" v="26"/>
-          <ac:cxnSpMkLst>
-            <pc:docMk/>
-            <pc:sldMk cId="4074104197" sldId="257"/>
-            <ac:cxnSpMk id="8" creationId="{AD7F25DB-CAF3-4416-BEC8-405E10E677E4}"/>
-          </ac:cxnSpMkLst>
-        </pc:cxnChg>
-        <pc:cxnChg chg="add mod">
-          <ac:chgData name="Guest" userId="" providerId="Windows Live" clId="Web-{646EB22B-D09A-44C6-ADF5-EF6D60B9CFB6}" dt="2017-12-14T14:52:49.915" v="38"/>
-          <ac:cxnSpMkLst>
-            <pc:docMk/>
-            <pc:sldMk cId="4074104197" sldId="257"/>
-            <ac:cxnSpMk id="12" creationId="{3CD2A42C-E707-4610-A45C-243A6181AF93}"/>
-          </ac:cxnSpMkLst>
-        </pc:cxnChg>
-        <pc:cxnChg chg="add mod">
-          <ac:chgData name="Guest" userId="" providerId="Windows Live" clId="Web-{646EB22B-D09A-44C6-ADF5-EF6D60B9CFB6}" dt="2017-12-14T14:52:49.915" v="39"/>
-          <ac:cxnSpMkLst>
-            <pc:docMk/>
-            <pc:sldMk cId="4074104197" sldId="257"/>
-            <ac:cxnSpMk id="14" creationId="{9B75A87C-9C95-4F19-BC23-1055FE1DB1CD}"/>
-          </ac:cxnSpMkLst>
-        </pc:cxnChg>
-        <pc:cxnChg chg="add mod">
-          <ac:chgData name="Guest" userId="" providerId="Windows Live" clId="Web-{646EB22B-D09A-44C6-ADF5-EF6D60B9CFB6}" dt="2017-12-14T14:52:38.943" v="37"/>
-          <ac:cxnSpMkLst>
-            <pc:docMk/>
-            <pc:sldMk cId="4074104197" sldId="257"/>
-            <ac:cxnSpMk id="16" creationId="{CEAF5A24-6674-4970-AF3B-D794CAFE0BBE}"/>
-          </ac:cxnSpMkLst>
-        </pc:cxnChg>
-        <pc:cxnChg chg="add del mod">
-          <ac:chgData name="Guest" userId="" providerId="Windows Live" clId="Web-{646EB22B-D09A-44C6-ADF5-EF6D60B9CFB6}" dt="2017-12-14T14:58:28.387" v="120"/>
-          <ac:cxnSpMkLst>
-            <pc:docMk/>
-            <pc:sldMk cId="4074104197" sldId="257"/>
-            <ac:cxnSpMk id="17" creationId="{D9B211C6-AB06-4D3F-83D8-82D7D956C267}"/>
-          </ac:cxnSpMkLst>
-        </pc:cxnChg>
-        <pc:cxnChg chg="add mod">
-          <ac:chgData name="Guest" userId="" providerId="Windows Live" clId="Web-{646EB22B-D09A-44C6-ADF5-EF6D60B9CFB6}" dt="2017-12-14T14:53:39.043" v="63"/>
-          <ac:cxnSpMkLst>
-            <pc:docMk/>
-            <pc:sldMk cId="4074104197" sldId="257"/>
-            <ac:cxnSpMk id="18" creationId="{7F0961C9-983C-462E-89EB-018A3F190CCA}"/>
-          </ac:cxnSpMkLst>
-        </pc:cxnChg>
-        <pc:cxnChg chg="add mod">
-          <ac:chgData name="Guest" userId="" providerId="Windows Live" clId="Web-{646EB22B-D09A-44C6-ADF5-EF6D60B9CFB6}" dt="2017-12-14T14:53:23.651" v="51"/>
-          <ac:cxnSpMkLst>
-            <pc:docMk/>
-            <pc:sldMk cId="4074104197" sldId="257"/>
-            <ac:cxnSpMk id="19" creationId="{7208AA11-2317-431A-AE85-85B49029B12D}"/>
-          </ac:cxnSpMkLst>
-        </pc:cxnChg>
-        <pc:cxnChg chg="add mod">
-          <ac:chgData name="Guest" userId="" providerId="Windows Live" clId="Web-{646EB22B-D09A-44C6-ADF5-EF6D60B9CFB6}" dt="2017-12-14T14:53:23.651" v="52"/>
-          <ac:cxnSpMkLst>
-            <pc:docMk/>
-            <pc:sldMk cId="4074104197" sldId="257"/>
-            <ac:cxnSpMk id="20" creationId="{2BEA46F4-EBE8-4022-B097-B57D5C1235E1}"/>
-          </ac:cxnSpMkLst>
-        </pc:cxnChg>
-        <pc:cxnChg chg="add mod">
-          <ac:chgData name="Guest" userId="" providerId="Windows Live" clId="Web-{646EB22B-D09A-44C6-ADF5-EF6D60B9CFB6}" dt="2017-12-14T14:53:28.636" v="55"/>
-          <ac:cxnSpMkLst>
-            <pc:docMk/>
-            <pc:sldMk cId="4074104197" sldId="257"/>
-            <ac:cxnSpMk id="21" creationId="{A8CBFDC1-0E2F-4661-B033-BFC1018C0D17}"/>
-          </ac:cxnSpMkLst>
-        </pc:cxnChg>
-        <pc:cxnChg chg="add mod">
-          <ac:chgData name="Guest" userId="" providerId="Windows Live" clId="Web-{646EB22B-D09A-44C6-ADF5-EF6D60B9CFB6}" dt="2017-12-14T14:53:28.636" v="56"/>
-          <ac:cxnSpMkLst>
-            <pc:docMk/>
-            <pc:sldMk cId="4074104197" sldId="257"/>
-            <ac:cxnSpMk id="22" creationId="{0071B82D-08A0-40CB-8FD7-240F6489767A}"/>
-          </ac:cxnSpMkLst>
-        </pc:cxnChg>
-        <pc:cxnChg chg="add mod">
-          <ac:chgData name="Guest" userId="" providerId="Windows Live" clId="Web-{646EB22B-D09A-44C6-ADF5-EF6D60B9CFB6}" dt="2017-12-14T14:53:33.324" v="59"/>
-          <ac:cxnSpMkLst>
-            <pc:docMk/>
-            <pc:sldMk cId="4074104197" sldId="257"/>
-            <ac:cxnSpMk id="23" creationId="{D21FC186-B1DD-4C44-8A0E-514529846D9F}"/>
-          </ac:cxnSpMkLst>
-        </pc:cxnChg>
-        <pc:cxnChg chg="add mod">
-          <ac:chgData name="Guest" userId="" providerId="Windows Live" clId="Web-{646EB22B-D09A-44C6-ADF5-EF6D60B9CFB6}" dt="2017-12-14T14:53:33.324" v="60"/>
-          <ac:cxnSpMkLst>
-            <pc:docMk/>
-            <pc:sldMk cId="4074104197" sldId="257"/>
-            <ac:cxnSpMk id="24" creationId="{2FFEC272-4A54-4237-8838-5F5EC38D8E8B}"/>
-          </ac:cxnSpMkLst>
-        </pc:cxnChg>
-        <pc:cxnChg chg="add mod">
-          <ac:chgData name="Guest" userId="" providerId="Windows Live" clId="Web-{646EB22B-D09A-44C6-ADF5-EF6D60B9CFB6}" dt="2017-12-14T14:53:48.090" v="64"/>
-          <ac:cxnSpMkLst>
-            <pc:docMk/>
-            <pc:sldMk cId="4074104197" sldId="257"/>
-            <ac:cxnSpMk id="25" creationId="{015D21CC-9304-4BFF-8349-15036A29C0AE}"/>
-          </ac:cxnSpMkLst>
-        </pc:cxnChg>
-        <pc:cxnChg chg="add mod">
-          <ac:chgData name="Guest" userId="" providerId="Windows Live" clId="Web-{646EB22B-D09A-44C6-ADF5-EF6D60B9CFB6}" dt="2017-12-14T14:53:48.090" v="65"/>
-          <ac:cxnSpMkLst>
-            <pc:docMk/>
-            <pc:sldMk cId="4074104197" sldId="257"/>
-            <ac:cxnSpMk id="26" creationId="{60A314A6-51AA-4380-A95C-E67B4CB0522D}"/>
-          </ac:cxnSpMkLst>
-        </pc:cxnChg>
-        <pc:cxnChg chg="add del mod">
-          <ac:chgData name="Guest" userId="" providerId="Windows Live" clId="Web-{646EB22B-D09A-44C6-ADF5-EF6D60B9CFB6}" dt="2017-12-14T14:58:25.512" v="119"/>
-          <ac:cxnSpMkLst>
-            <pc:docMk/>
-            <pc:sldMk cId="4074104197" sldId="257"/>
-            <ac:cxnSpMk id="29" creationId="{BA68DC7D-B066-4C83-B009-2175658B1552}"/>
-          </ac:cxnSpMkLst>
-        </pc:cxnChg>
-        <pc:cxnChg chg="add mod">
-          <ac:chgData name="Guest" userId="" providerId="Windows Live" clId="Web-{646EB22B-D09A-44C6-ADF5-EF6D60B9CFB6}" dt="2017-12-14T14:55:21.564" v="81"/>
-          <ac:cxnSpMkLst>
-            <pc:docMk/>
-            <pc:sldMk cId="4074104197" sldId="257"/>
-            <ac:cxnSpMk id="32" creationId="{752C7471-C6EA-4785-B618-1B9621BEC0E3}"/>
-          </ac:cxnSpMkLst>
-        </pc:cxnChg>
-        <pc:cxnChg chg="add mod">
-          <ac:chgData name="Guest" userId="" providerId="Windows Live" clId="Web-{646EB22B-D09A-44C6-ADF5-EF6D60B9CFB6}" dt="2017-12-14T14:55:21.564" v="82"/>
-          <ac:cxnSpMkLst>
-            <pc:docMk/>
-            <pc:sldMk cId="4074104197" sldId="257"/>
-            <ac:cxnSpMk id="33" creationId="{0760C49F-36BC-4B20-B7E7-3B2549D87344}"/>
-          </ac:cxnSpMkLst>
-        </pc:cxnChg>
-        <pc:cxnChg chg="add mod">
-          <ac:chgData name="Guest" userId="" providerId="Windows Live" clId="Web-{646EB22B-D09A-44C6-ADF5-EF6D60B9CFB6}" dt="2017-12-14T14:55:28.658" v="85"/>
-          <ac:cxnSpMkLst>
-            <pc:docMk/>
-            <pc:sldMk cId="4074104197" sldId="257"/>
-            <ac:cxnSpMk id="36" creationId="{AA7EA3F1-1A68-46D0-A040-DB448F0AEE01}"/>
-          </ac:cxnSpMkLst>
-        </pc:cxnChg>
-        <pc:cxnChg chg="add mod">
-          <ac:chgData name="Guest" userId="" providerId="Windows Live" clId="Web-{646EB22B-D09A-44C6-ADF5-EF6D60B9CFB6}" dt="2017-12-14T14:55:28.674" v="86"/>
-          <ac:cxnSpMkLst>
-            <pc:docMk/>
-            <pc:sldMk cId="4074104197" sldId="257"/>
-            <ac:cxnSpMk id="37" creationId="{4A1C0D68-009B-4A9E-B77B-E96D9822A9CF}"/>
-          </ac:cxnSpMkLst>
-        </pc:cxnChg>
-        <pc:cxnChg chg="add mod">
-          <ac:chgData name="Guest" userId="" providerId="Windows Live" clId="Web-{646EB22B-D09A-44C6-ADF5-EF6D60B9CFB6}" dt="2017-12-14T14:55:34.799" v="89"/>
-          <ac:cxnSpMkLst>
-            <pc:docMk/>
-            <pc:sldMk cId="4074104197" sldId="257"/>
-            <ac:cxnSpMk id="38" creationId="{CF309698-0594-4BB4-B014-B9F0C5B6A597}"/>
-          </ac:cxnSpMkLst>
-        </pc:cxnChg>
-        <pc:cxnChg chg="add mod">
-          <ac:chgData name="Guest" userId="" providerId="Windows Live" clId="Web-{646EB22B-D09A-44C6-ADF5-EF6D60B9CFB6}" dt="2017-12-14T14:55:34.799" v="90"/>
-          <ac:cxnSpMkLst>
-            <pc:docMk/>
-            <pc:sldMk cId="4074104197" sldId="257"/>
-            <ac:cxnSpMk id="39" creationId="{9462B081-7612-4C46-8D56-47E2549CAB46}"/>
-          </ac:cxnSpMkLst>
-        </pc:cxnChg>
-        <pc:cxnChg chg="add mod">
-          <ac:chgData name="Guest" userId="" providerId="Windows Live" clId="Web-{646EB22B-D09A-44C6-ADF5-EF6D60B9CFB6}" dt="2017-12-14T14:55:46.691" v="93"/>
-          <ac:cxnSpMkLst>
-            <pc:docMk/>
-            <pc:sldMk cId="4074104197" sldId="257"/>
-            <ac:cxnSpMk id="40" creationId="{1C1A434F-1315-4E9C-910E-83EE8B1DC6BE}"/>
-          </ac:cxnSpMkLst>
-        </pc:cxnChg>
-        <pc:cxnChg chg="add mod">
-          <ac:chgData name="Guest" userId="" providerId="Windows Live" clId="Web-{646EB22B-D09A-44C6-ADF5-EF6D60B9CFB6}" dt="2017-12-14T14:55:46.691" v="94"/>
-          <ac:cxnSpMkLst>
-            <pc:docMk/>
-            <pc:sldMk cId="4074104197" sldId="257"/>
-            <ac:cxnSpMk id="41" creationId="{8AB846A9-3F7E-4531-8FA8-131A47DCC830}"/>
-          </ac:cxnSpMkLst>
-        </pc:cxnChg>
-        <pc:cxnChg chg="add mod">
-          <ac:chgData name="Guest" userId="" providerId="Windows Live" clId="Web-{646EB22B-D09A-44C6-ADF5-EF6D60B9CFB6}" dt="2017-12-14T14:57:10.867" v="104"/>
-          <ac:cxnSpMkLst>
-            <pc:docMk/>
-            <pc:sldMk cId="4074104197" sldId="257"/>
-            <ac:cxnSpMk id="44" creationId="{210B67A8-9EB6-41CF-80AA-2301F27B5E08}"/>
-          </ac:cxnSpMkLst>
-        </pc:cxnChg>
-        <pc:cxnChg chg="add mod">
-          <ac:chgData name="Guest" userId="" providerId="Windows Live" clId="Web-{646EB22B-D09A-44C6-ADF5-EF6D60B9CFB6}" dt="2017-12-14T14:57:05.101" v="103"/>
-          <ac:cxnSpMkLst>
-            <pc:docMk/>
-            <pc:sldMk cId="4074104197" sldId="257"/>
-            <ac:cxnSpMk id="50" creationId="{D77637AE-7B03-44E3-9209-C40D298BA75D}"/>
-          </ac:cxnSpMkLst>
-        </pc:cxnChg>
-        <pc:cxnChg chg="mod">
-          <ac:chgData name="Guest" userId="" providerId="Windows Live" clId="Web-{646EB22B-D09A-44C6-ADF5-EF6D60B9CFB6}" dt="2017-12-14T15:09:29.426" v="161"/>
-          <ac:cxnSpMkLst>
-            <pc:docMk/>
-            <pc:sldMk cId="4074104197" sldId="257"/>
-            <ac:cxnSpMk id="55" creationId="{4F3D9C24-98BF-4A34-A47B-33ABA79F8FA7}"/>
-          </ac:cxnSpMkLst>
-        </pc:cxnChg>
-        <pc:cxnChg chg="add del mod">
-          <ac:chgData name="Guest" userId="" providerId="Windows Live" clId="Web-{646EB22B-D09A-44C6-ADF5-EF6D60B9CFB6}" dt="2017-12-14T14:58:09.043" v="114"/>
-          <ac:cxnSpMkLst>
-            <pc:docMk/>
-            <pc:sldMk cId="4074104197" sldId="257"/>
-            <ac:cxnSpMk id="56" creationId="{3F0F64C4-C69F-4BB5-A548-BAAB9C87D999}"/>
-          </ac:cxnSpMkLst>
-        </pc:cxnChg>
-        <pc:cxnChg chg="add del mod">
-          <ac:chgData name="Guest" userId="" providerId="Windows Live" clId="Web-{646EB22B-D09A-44C6-ADF5-EF6D60B9CFB6}" dt="2017-12-14T14:58:09.043" v="113"/>
-          <ac:cxnSpMkLst>
-            <pc:docMk/>
-            <pc:sldMk cId="4074104197" sldId="257"/>
-            <ac:cxnSpMk id="57" creationId="{656B480F-61B0-4967-AE65-E1D7AF9BD751}"/>
-          </ac:cxnSpMkLst>
-        </pc:cxnChg>
-        <pc:cxnChg chg="add del mod">
-          <ac:chgData name="Guest" userId="" providerId="Windows Live" clId="Web-{646EB22B-D09A-44C6-ADF5-EF6D60B9CFB6}" dt="2017-12-14T14:58:29.169" v="121"/>
-          <ac:cxnSpMkLst>
-            <pc:docMk/>
-            <pc:sldMk cId="4074104197" sldId="257"/>
-            <ac:cxnSpMk id="58" creationId="{B05432A4-C46E-406B-9305-E8CAAF5A5BCE}"/>
-          </ac:cxnSpMkLst>
-        </pc:cxnChg>
-        <pc:cxnChg chg="add del mod">
-          <ac:chgData name="Guest" userId="" providerId="Windows Live" clId="Web-{646EB22B-D09A-44C6-ADF5-EF6D60B9CFB6}" dt="2017-12-14T14:58:31.200" v="122"/>
-          <ac:cxnSpMkLst>
-            <pc:docMk/>
-            <pc:sldMk cId="4074104197" sldId="257"/>
-            <ac:cxnSpMk id="59" creationId="{BD46E9CD-5F4E-4849-A900-A76C36260E8B}"/>
-          </ac:cxnSpMkLst>
-        </pc:cxnChg>
-        <pc:cxnChg chg="add del mod">
-          <ac:chgData name="Guest" userId="" providerId="Windows Live" clId="Web-{646EB22B-D09A-44C6-ADF5-EF6D60B9CFB6}" dt="2017-12-14T15:06:00.945" v="133"/>
-          <ac:cxnSpMkLst>
-            <pc:docMk/>
-            <pc:sldMk cId="4074104197" sldId="257"/>
-            <ac:cxnSpMk id="62" creationId="{3BFEB17D-1691-4B05-9E42-9728FE82F9DA}"/>
-          </ac:cxnSpMkLst>
-        </pc:cxnChg>
-        <pc:cxnChg chg="add mod">
-          <ac:chgData name="Guest" userId="" providerId="Windows Live" clId="Web-{646EB22B-D09A-44C6-ADF5-EF6D60B9CFB6}" dt="2017-12-14T15:06:57.323" v="140"/>
-          <ac:cxnSpMkLst>
-            <pc:docMk/>
-            <pc:sldMk cId="4074104197" sldId="257"/>
-            <ac:cxnSpMk id="67" creationId="{7AB81781-6CD8-43A7-9903-FDDE28036F11}"/>
-          </ac:cxnSpMkLst>
-        </pc:cxnChg>
-        <pc:cxnChg chg="add mod">
-          <ac:chgData name="Guest" userId="" providerId="Windows Live" clId="Web-{646EB22B-D09A-44C6-ADF5-EF6D60B9CFB6}" dt="2017-12-14T15:07:07.917" v="142"/>
-          <ac:cxnSpMkLst>
-            <pc:docMk/>
-            <pc:sldMk cId="4074104197" sldId="257"/>
-            <ac:cxnSpMk id="68" creationId="{F7F6E9CD-520D-4202-80A4-77DC0E365C4D}"/>
-          </ac:cxnSpMkLst>
-        </pc:cxnChg>
-        <pc:cxnChg chg="add mod">
-          <ac:chgData name="Guest" userId="" providerId="Windows Live" clId="Web-{646EB22B-D09A-44C6-ADF5-EF6D60B9CFB6}" dt="2017-12-14T15:11:36.464" v="178"/>
-          <ac:cxnSpMkLst>
-            <pc:docMk/>
-            <pc:sldMk cId="4074104197" sldId="257"/>
-            <ac:cxnSpMk id="72" creationId="{DB1EB05A-F1B7-44E5-8E4B-A5F7CBF283FE}"/>
-          </ac:cxnSpMkLst>
-        </pc:cxnChg>
-        <pc:cxnChg chg="add mod">
-          <ac:chgData name="Guest" userId="" providerId="Windows Live" clId="Web-{646EB22B-D09A-44C6-ADF5-EF6D60B9CFB6}" dt="2017-12-14T15:11:32.511" v="177"/>
-          <ac:cxnSpMkLst>
-            <pc:docMk/>
-            <pc:sldMk cId="4074104197" sldId="257"/>
-            <ac:cxnSpMk id="73" creationId="{66FF58E4-02F6-43DF-92F4-ED311E3DA9EB}"/>
-          </ac:cxnSpMkLst>
-        </pc:cxnChg>
-        <pc:cxnChg chg="add mod">
-          <ac:chgData name="Guest" userId="" providerId="Windows Live" clId="Web-{646EB22B-D09A-44C6-ADF5-EF6D60B9CFB6}" dt="2017-12-14T15:08:40.923" v="156"/>
-          <ac:cxnSpMkLst>
-            <pc:docMk/>
-            <pc:sldMk cId="4074104197" sldId="257"/>
-            <ac:cxnSpMk id="74" creationId="{86284277-FA00-489F-9398-DE41C8C8776A}"/>
-          </ac:cxnSpMkLst>
-        </pc:cxnChg>
-        <pc:cxnChg chg="add mod">
-          <ac:chgData name="Guest" userId="" providerId="Windows Live" clId="Web-{646EB22B-D09A-44C6-ADF5-EF6D60B9CFB6}" dt="2017-12-14T15:11:27.495" v="176"/>
-          <ac:cxnSpMkLst>
-            <pc:docMk/>
-            <pc:sldMk cId="4074104197" sldId="257"/>
-            <ac:cxnSpMk id="75" creationId="{BD0074A5-C5BA-47C5-9D8C-E09220E94655}"/>
-          </ac:cxnSpMkLst>
-        </pc:cxnChg>
-        <pc:cxnChg chg="add del mod">
-          <ac:chgData name="Guest" userId="" providerId="Windows Live" clId="Web-{646EB22B-D09A-44C6-ADF5-EF6D60B9CFB6}" dt="2017-12-14T15:11:19.322" v="174"/>
-          <ac:cxnSpMkLst>
-            <pc:docMk/>
-            <pc:sldMk cId="4074104197" sldId="257"/>
-            <ac:cxnSpMk id="83" creationId="{834C3F9F-8A7A-4238-BA6E-1789964D2F5E}"/>
-          </ac:cxnSpMkLst>
-        </pc:cxnChg>
-        <pc:cxnChg chg="add del mod">
-          <ac:chgData name="Guest" userId="" providerId="Windows Live" clId="Web-{646EB22B-D09A-44C6-ADF5-EF6D60B9CFB6}" dt="2017-12-14T15:11:20.276" v="175"/>
-          <ac:cxnSpMkLst>
-            <pc:docMk/>
-            <pc:sldMk cId="4074104197" sldId="257"/>
-            <ac:cxnSpMk id="84" creationId="{D5B87C56-C28B-4CA8-9E36-67BD8E08ACC6}"/>
-          </ac:cxnSpMkLst>
-        </pc:cxnChg>
-        <pc:cxnChg chg="add mod">
-          <ac:chgData name="Guest" userId="" providerId="Windows Live" clId="Web-{646EB22B-D09A-44C6-ADF5-EF6D60B9CFB6}" dt="2017-12-14T15:12:06.481" v="184"/>
-          <ac:cxnSpMkLst>
-            <pc:docMk/>
-            <pc:sldMk cId="4074104197" sldId="257"/>
-            <ac:cxnSpMk id="87" creationId="{C9D53ECE-752A-4ACD-A4FA-DBD42BAB7559}"/>
-          </ac:cxnSpMkLst>
-        </pc:cxnChg>
-      </pc:sldChg>
-    </pc:docChg>
-  </pc:docChgLst>
-  <pc:docChgLst>
-    <pc:chgData name="손민재" userId="b8e41ac4b573d6fa" providerId="Windows Live" clId="Web-{F36F8108-BF6C-485E-9E8F-EF4AE408E1D5}"/>
-    <pc:docChg chg="modSld">
-      <pc:chgData name="손민재" userId="b8e41ac4b573d6fa" providerId="Windows Live" clId="Web-{F36F8108-BF6C-485E-9E8F-EF4AE408E1D5}" dt="2017-12-14T14:11:35.816" v="60"/>
-      <pc:docMkLst>
-        <pc:docMk/>
-      </pc:docMkLst>
-      <pc:sldChg chg="addSp delSp modSp">
-        <pc:chgData name="손민재" userId="b8e41ac4b573d6fa" providerId="Windows Live" clId="Web-{F36F8108-BF6C-485E-9E8F-EF4AE408E1D5}" dt="2017-12-14T14:11:35.816" v="60"/>
-        <pc:sldMkLst>
-          <pc:docMk/>
-          <pc:sldMk cId="2312711435" sldId="256"/>
-        </pc:sldMkLst>
-        <pc:spChg chg="del">
-          <ac:chgData name="손민재" userId="b8e41ac4b573d6fa" providerId="Windows Live" clId="Web-{F36F8108-BF6C-485E-9E8F-EF4AE408E1D5}" dt="2017-12-14T14:06:06.954" v="0"/>
-          <ac:spMkLst>
-            <pc:docMk/>
-            <pc:sldMk cId="2312711435" sldId="256"/>
-            <ac:spMk id="2" creationId="{31DE489D-6179-47FA-9743-3BD6BA62484F}"/>
-          </ac:spMkLst>
-        </pc:spChg>
-        <pc:spChg chg="del">
-          <ac:chgData name="손민재" userId="b8e41ac4b573d6fa" providerId="Windows Live" clId="Web-{F36F8108-BF6C-485E-9E8F-EF4AE408E1D5}" dt="2017-12-14T14:06:09.548" v="1"/>
-          <ac:spMkLst>
-            <pc:docMk/>
-            <pc:sldMk cId="2312711435" sldId="256"/>
-            <ac:spMk id="3" creationId="{C5388BCB-81F9-4EF9-9660-61B43BBE433F}"/>
-          </ac:spMkLst>
-        </pc:spChg>
-        <pc:spChg chg="add mod">
-          <ac:chgData name="손민재" userId="b8e41ac4b573d6fa" providerId="Windows Live" clId="Web-{F36F8108-BF6C-485E-9E8F-EF4AE408E1D5}" dt="2017-12-14T14:11:35.801" v="58"/>
-          <ac:spMkLst>
-            <pc:docMk/>
-            <pc:sldMk cId="2312711435" sldId="256"/>
-            <ac:spMk id="4" creationId="{0A53783D-71E9-451B-A248-B87E17BF5D3B}"/>
-          </ac:spMkLst>
-        </pc:spChg>
-        <pc:spChg chg="add mod">
-          <ac:chgData name="손민재" userId="b8e41ac4b573d6fa" providerId="Windows Live" clId="Web-{F36F8108-BF6C-485E-9E8F-EF4AE408E1D5}" dt="2017-12-14T14:11:35.801" v="59"/>
-          <ac:spMkLst>
-            <pc:docMk/>
-            <pc:sldMk cId="2312711435" sldId="256"/>
-            <ac:spMk id="6" creationId="{88734F23-45E9-4ED7-91E7-188218E81990}"/>
-          </ac:spMkLst>
-        </pc:spChg>
-        <pc:spChg chg="add del">
-          <ac:chgData name="손민재" userId="b8e41ac4b573d6fa" providerId="Windows Live" clId="Web-{F36F8108-BF6C-485E-9E8F-EF4AE408E1D5}" dt="2017-12-14T14:09:09.464" v="14"/>
-          <ac:spMkLst>
-            <pc:docMk/>
-            <pc:sldMk cId="2312711435" sldId="256"/>
-            <ac:spMk id="7" creationId="{AAB77A03-1DE5-4287-B8B7-EA7DA1472CAD}"/>
+            <ac:spMk id="15" creationId="{13B68C63-48A7-4302-962F-EA028CCF0B94}"/>
           </ac:spMkLst>
         </pc:spChg>
         <pc:spChg chg="add del mod">
-          <ac:chgData name="손민재" userId="b8e41ac4b573d6fa" providerId="Windows Live" clId="Web-{F36F8108-BF6C-485E-9E8F-EF4AE408E1D5}" dt="2017-12-14T14:09:45.404" v="28"/>
+          <ac:chgData name="Guest" userId="" providerId="Windows Live" clId="Web-{FA8E0E33-C9E0-4BE6-8A41-7A155C0863FC}" dt="2017-12-14T14:21:00.740" v="4"/>
           <ac:spMkLst>
             <pc:docMk/>
             <pc:sldMk cId="2312711435" sldId="256"/>
-            <ac:spMk id="8" creationId="{DDD8EEEE-8E5B-46BD-A6F1-D91C6A949ADC}"/>
-          </ac:spMkLst>
-        </pc:spChg>
-        <pc:spChg chg="add mod">
-          <ac:chgData name="손민재" userId="b8e41ac4b573d6fa" providerId="Windows Live" clId="Web-{F36F8108-BF6C-485E-9E8F-EF4AE408E1D5}" dt="2017-12-14T14:11:35.816" v="60"/>
-          <ac:spMkLst>
-            <pc:docMk/>
-            <pc:sldMk cId="2312711435" sldId="256"/>
-            <ac:spMk id="11" creationId="{3DDE92A6-B79F-4BA4-9810-DB1CF23856C6}"/>
-          </ac:spMkLst>
-        </pc:spChg>
-        <pc:spChg chg="add del">
-          <ac:chgData name="손민재" userId="b8e41ac4b573d6fa" providerId="Windows Live" clId="Web-{F36F8108-BF6C-485E-9E8F-EF4AE408E1D5}" dt="2017-12-14T14:11:13.893" v="54"/>
-          <ac:spMkLst>
-            <pc:docMk/>
-            <pc:sldMk cId="2312711435" sldId="256"/>
-            <ac:spMk id="12" creationId="{38D2522F-E993-4209-B522-84FC5A709D9B}"/>
+            <ac:spMk id="20" creationId="{527278EB-AE06-4CA0-B96D-017012931E3D}"/>
           </ac:spMkLst>
         </pc:spChg>
       </pc:sldChg>
@@ -863,19 +863,19 @@
           </ac:spMkLst>
         </pc:spChg>
         <pc:spChg chg="add mod">
-          <ac:chgData name="손민재" userId="b8e41ac4b573d6fa" providerId="Windows Live" clId="Web-{D2129F2A-4753-4FE0-99C9-E0CA238DB68A}" dt="2017-12-14T14:34:21.692" v="58"/>
+          <ac:chgData name="손민재" userId="b8e41ac4b573d6fa" providerId="Windows Live" clId="Web-{D2129F2A-4753-4FE0-99C9-E0CA238DB68A}" dt="2017-12-14T14:23:37.717" v="37"/>
           <ac:spMkLst>
             <pc:docMk/>
             <pc:sldMk cId="2312711435" sldId="256"/>
-            <ac:spMk id="5" creationId="{245447D5-4A97-447D-BC66-762A2F5A06C9}"/>
+            <ac:spMk id="5" creationId="{5CC90FF6-225D-4C63-8D8B-FE2F7FFD6FA0}"/>
           </ac:spMkLst>
         </pc:spChg>
         <pc:spChg chg="add mod">
-          <ac:chgData name="손민재" userId="b8e41ac4b573d6fa" providerId="Windows Live" clId="Web-{D2129F2A-4753-4FE0-99C9-E0CA238DB68A}" dt="2017-12-14T14:23:37.717" v="37"/>
+          <ac:chgData name="손민재" userId="b8e41ac4b573d6fa" providerId="Windows Live" clId="Web-{D2129F2A-4753-4FE0-99C9-E0CA238DB68A}" dt="2017-12-14T14:34:21.692" v="58"/>
           <ac:spMkLst>
             <pc:docMk/>
             <pc:sldMk cId="2312711435" sldId="256"/>
-            <ac:spMk id="5" creationId="{5CC90FF6-225D-4C63-8D8B-FE2F7FFD6FA0}"/>
+            <ac:spMk id="5" creationId="{245447D5-4A97-447D-BC66-762A2F5A06C9}"/>
           </ac:spMkLst>
         </pc:spChg>
         <pc:spChg chg="add mod">
@@ -1573,7 +1573,7 @@
           <a:p>
             <a:fld id="{FB55748B-B3A5-4547-BE1D-C67A6B25FF53}" type="datetimeFigureOut">
               <a:rPr lang="ko-KR" altLang="en-US" smtClean="0"/>
-              <a:t>2017-12-14</a:t>
+              <a:t>2018-03-13</a:t>
             </a:fld>
             <a:endParaRPr lang="ko-KR" altLang="en-US"/>
           </a:p>
@@ -1771,7 +1771,7 @@
           <a:p>
             <a:fld id="{FB55748B-B3A5-4547-BE1D-C67A6B25FF53}" type="datetimeFigureOut">
               <a:rPr lang="ko-KR" altLang="en-US" smtClean="0"/>
-              <a:t>2017-12-14</a:t>
+              <a:t>2018-03-13</a:t>
             </a:fld>
             <a:endParaRPr lang="ko-KR" altLang="en-US"/>
           </a:p>
@@ -1979,7 +1979,7 @@
           <a:p>
             <a:fld id="{FB55748B-B3A5-4547-BE1D-C67A6B25FF53}" type="datetimeFigureOut">
               <a:rPr lang="ko-KR" altLang="en-US" smtClean="0"/>
-              <a:t>2017-12-14</a:t>
+              <a:t>2018-03-13</a:t>
             </a:fld>
             <a:endParaRPr lang="ko-KR" altLang="en-US"/>
           </a:p>
@@ -2177,7 +2177,7 @@
           <a:p>
             <a:fld id="{FB55748B-B3A5-4547-BE1D-C67A6B25FF53}" type="datetimeFigureOut">
               <a:rPr lang="ko-KR" altLang="en-US" smtClean="0"/>
-              <a:t>2017-12-14</a:t>
+              <a:t>2018-03-13</a:t>
             </a:fld>
             <a:endParaRPr lang="ko-KR" altLang="en-US"/>
           </a:p>
@@ -2452,7 +2452,7 @@
           <a:p>
             <a:fld id="{FB55748B-B3A5-4547-BE1D-C67A6B25FF53}" type="datetimeFigureOut">
               <a:rPr lang="ko-KR" altLang="en-US" smtClean="0"/>
-              <a:t>2017-12-14</a:t>
+              <a:t>2018-03-13</a:t>
             </a:fld>
             <a:endParaRPr lang="ko-KR" altLang="en-US"/>
           </a:p>
@@ -2717,7 +2717,7 @@
           <a:p>
             <a:fld id="{FB55748B-B3A5-4547-BE1D-C67A6B25FF53}" type="datetimeFigureOut">
               <a:rPr lang="ko-KR" altLang="en-US" smtClean="0"/>
-              <a:t>2017-12-14</a:t>
+              <a:t>2018-03-13</a:t>
             </a:fld>
             <a:endParaRPr lang="ko-KR" altLang="en-US"/>
           </a:p>
@@ -3129,7 +3129,7 @@
           <a:p>
             <a:fld id="{FB55748B-B3A5-4547-BE1D-C67A6B25FF53}" type="datetimeFigureOut">
               <a:rPr lang="ko-KR" altLang="en-US" smtClean="0"/>
-              <a:t>2017-12-14</a:t>
+              <a:t>2018-03-13</a:t>
             </a:fld>
             <a:endParaRPr lang="ko-KR" altLang="en-US"/>
           </a:p>
@@ -3270,7 +3270,7 @@
           <a:p>
             <a:fld id="{FB55748B-B3A5-4547-BE1D-C67A6B25FF53}" type="datetimeFigureOut">
               <a:rPr lang="ko-KR" altLang="en-US" smtClean="0"/>
-              <a:t>2017-12-14</a:t>
+              <a:t>2018-03-13</a:t>
             </a:fld>
             <a:endParaRPr lang="ko-KR" altLang="en-US"/>
           </a:p>
@@ -3383,7 +3383,7 @@
           <a:p>
             <a:fld id="{FB55748B-B3A5-4547-BE1D-C67A6B25FF53}" type="datetimeFigureOut">
               <a:rPr lang="ko-KR" altLang="en-US" smtClean="0"/>
-              <a:t>2017-12-14</a:t>
+              <a:t>2018-03-13</a:t>
             </a:fld>
             <a:endParaRPr lang="ko-KR" altLang="en-US"/>
           </a:p>
@@ -3694,7 +3694,7 @@
           <a:p>
             <a:fld id="{FB55748B-B3A5-4547-BE1D-C67A6B25FF53}" type="datetimeFigureOut">
               <a:rPr lang="ko-KR" altLang="en-US" smtClean="0"/>
-              <a:t>2017-12-14</a:t>
+              <a:t>2018-03-13</a:t>
             </a:fld>
             <a:endParaRPr lang="ko-KR" altLang="en-US"/>
           </a:p>
@@ -3982,7 +3982,7 @@
           <a:p>
             <a:fld id="{FB55748B-B3A5-4547-BE1D-C67A6B25FF53}" type="datetimeFigureOut">
               <a:rPr lang="ko-KR" altLang="en-US" smtClean="0"/>
-              <a:t>2017-12-14</a:t>
+              <a:t>2018-03-13</a:t>
             </a:fld>
             <a:endParaRPr lang="ko-KR" altLang="en-US"/>
           </a:p>
@@ -4223,7 +4223,7 @@
           <a:p>
             <a:fld id="{FB55748B-B3A5-4547-BE1D-C67A6B25FF53}" type="datetimeFigureOut">
               <a:rPr lang="ko-KR" altLang="en-US" smtClean="0"/>
-              <a:t>2017-12-14</a:t>
+              <a:t>2018-03-13</a:t>
             </a:fld>
             <a:endParaRPr lang="ko-KR" altLang="en-US"/>
           </a:p>
@@ -6659,9 +6659,9 @@
           <p:nvPr/>
         </p:nvCxnSpPr>
         <p:spPr>
-          <a:xfrm flipH="1" flipV="1">
-            <a:off x="8631913" y="2066925"/>
-            <a:ext cx="6264" cy="2193060"/>
+          <a:xfrm flipV="1">
+            <a:off x="8299046" y="2152422"/>
+            <a:ext cx="0" cy="2098390"/>
           </a:xfrm>
           <a:prstGeom prst="straightConnector1">
             <a:avLst/>
